--- a/8.pptx
+++ b/8.pptx
@@ -7140,13 +7140,13 @@
               <a:buNone/>
             </a:pPr>
             <a:r>
-              <a:rPr lang="ja-JP" altLang="en-US" sz="2250" b="1" dirty="0">
+              <a:rPr lang="ja-JP" altLang="en-US" sz="2500" b="1" dirty="0">
                 <a:latin typeface="Meiryo UI" panose="020B0604030504040204" pitchFamily="50" charset="-128"/>
                 <a:ea typeface="Meiryo UI" panose="020B0604030504040204" pitchFamily="50" charset="-128"/>
               </a:rPr>
               <a:t>比較の考察</a:t>
             </a:r>
-            <a:endParaRPr sz="2250" b="1" dirty="0">
+            <a:endParaRPr sz="2500" b="1" dirty="0">
               <a:latin typeface="Meiryo UI" panose="020B0604030504040204" pitchFamily="50" charset="-128"/>
               <a:ea typeface="Meiryo UI" panose="020B0604030504040204" pitchFamily="50" charset="-128"/>
             </a:endParaRPr>
@@ -7990,34 +7990,6 @@
           </a:ln>
         </p:spPr>
       </p:pic>
-      <p:pic>
-        <p:nvPicPr>
-          <p:cNvPr id="65" name="Google Shape;65;p14"/>
-          <p:cNvPicPr preferRelativeResize="0"/>
-          <p:nvPr/>
-        </p:nvPicPr>
-        <p:blipFill>
-          <a:blip r:embed="rId5">
-            <a:alphaModFix/>
-          </a:blip>
-          <a:stretch>
-            <a:fillRect/>
-          </a:stretch>
-        </p:blipFill>
-        <p:spPr>
-          <a:xfrm>
-            <a:off x="152400" y="1076366"/>
-            <a:ext cx="8839201" cy="77017"/>
-          </a:xfrm>
-          <a:prstGeom prst="rect">
-            <a:avLst/>
-          </a:prstGeom>
-          <a:noFill/>
-          <a:ln>
-            <a:noFill/>
-          </a:ln>
-        </p:spPr>
-      </p:pic>
       <p:sp>
         <p:nvSpPr>
           <p:cNvPr id="66" name="Google Shape;66;p14"/>
@@ -8607,7 +8579,7 @@
               <a:buSzPts val="990"/>
             </a:pPr>
             <a:r>
-              <a:rPr lang="ja-JP" altLang="en-US" sz="2250" b="1" dirty="0">
+              <a:rPr lang="ja-JP" altLang="en-US" sz="2500" b="1" dirty="0">
                 <a:latin typeface="Meiryo UI" panose="020B0604030504040204" pitchFamily="50" charset="-128"/>
                 <a:ea typeface="Meiryo UI" panose="020B0604030504040204" pitchFamily="50" charset="-128"/>
               </a:rPr>
@@ -8616,6 +8588,40 @@
           </a:p>
         </p:txBody>
       </p:sp>
+      <p:pic>
+        <p:nvPicPr>
+          <p:cNvPr id="8" name="Google Shape;116;p18">
+            <a:extLst>
+              <a:ext uri="{FF2B5EF4-FFF2-40B4-BE49-F238E27FC236}">
+                <a16:creationId xmlns:a16="http://schemas.microsoft.com/office/drawing/2014/main" id="{9EF505DA-720D-4D1D-9ADC-6B6E1BD2DEC2}"/>
+              </a:ext>
+            </a:extLst>
+          </p:cNvPr>
+          <p:cNvPicPr preferRelativeResize="0"/>
+          <p:nvPr/>
+        </p:nvPicPr>
+        <p:blipFill>
+          <a:blip r:embed="rId5">
+            <a:alphaModFix/>
+          </a:blip>
+          <a:stretch>
+            <a:fillRect/>
+          </a:stretch>
+        </p:blipFill>
+        <p:spPr>
+          <a:xfrm>
+            <a:off x="152400" y="1041591"/>
+            <a:ext cx="8839201" cy="77017"/>
+          </a:xfrm>
+          <a:prstGeom prst="rect">
+            <a:avLst/>
+          </a:prstGeom>
+          <a:noFill/>
+          <a:ln>
+            <a:noFill/>
+          </a:ln>
+        </p:spPr>
+      </p:pic>
     </p:spTree>
   </p:cSld>
   <p:clrMapOvr>
@@ -8743,40 +8749,6 @@
           </a:ln>
         </p:spPr>
       </p:pic>
-      <p:pic>
-        <p:nvPicPr>
-          <p:cNvPr id="8" name="Google Shape;65;p14">
-            <a:extLst>
-              <a:ext uri="{FF2B5EF4-FFF2-40B4-BE49-F238E27FC236}">
-                <a16:creationId xmlns:a16="http://schemas.microsoft.com/office/drawing/2014/main" id="{A0057083-364A-476D-AB50-7F88B7327C86}"/>
-              </a:ext>
-            </a:extLst>
-          </p:cNvPr>
-          <p:cNvPicPr preferRelativeResize="0"/>
-          <p:nvPr/>
-        </p:nvPicPr>
-        <p:blipFill>
-          <a:blip r:embed="rId4">
-            <a:alphaModFix/>
-          </a:blip>
-          <a:stretch>
-            <a:fillRect/>
-          </a:stretch>
-        </p:blipFill>
-        <p:spPr>
-          <a:xfrm>
-            <a:off x="152400" y="1076366"/>
-            <a:ext cx="8839201" cy="77017"/>
-          </a:xfrm>
-          <a:prstGeom prst="rect">
-            <a:avLst/>
-          </a:prstGeom>
-          <a:noFill/>
-          <a:ln>
-            <a:noFill/>
-          </a:ln>
-        </p:spPr>
-      </p:pic>
       <p:sp>
         <p:nvSpPr>
           <p:cNvPr id="10" name="Google Shape;169;p22">
@@ -9047,7 +9019,7 @@
               <a:buSzPts val="990"/>
             </a:pPr>
             <a:r>
-              <a:rPr lang="ja-JP" altLang="en-US" sz="2250" b="1" dirty="0">
+              <a:rPr lang="ja-JP" altLang="en-US" sz="2500" b="1" dirty="0">
                 <a:latin typeface="Meiryo UI" panose="020B0604030504040204" pitchFamily="50" charset="-128"/>
                 <a:ea typeface="Meiryo UI" panose="020B0604030504040204" pitchFamily="50" charset="-128"/>
               </a:rPr>
@@ -9056,6 +9028,40 @@
           </a:p>
         </p:txBody>
       </p:sp>
+      <p:pic>
+        <p:nvPicPr>
+          <p:cNvPr id="11" name="Google Shape;116;p18">
+            <a:extLst>
+              <a:ext uri="{FF2B5EF4-FFF2-40B4-BE49-F238E27FC236}">
+                <a16:creationId xmlns:a16="http://schemas.microsoft.com/office/drawing/2014/main" id="{A19C5A9D-137F-474D-9099-0A94F0FA52E3}"/>
+              </a:ext>
+            </a:extLst>
+          </p:cNvPr>
+          <p:cNvPicPr preferRelativeResize="0"/>
+          <p:nvPr/>
+        </p:nvPicPr>
+        <p:blipFill>
+          <a:blip r:embed="rId4">
+            <a:alphaModFix/>
+          </a:blip>
+          <a:stretch>
+            <a:fillRect/>
+          </a:stretch>
+        </p:blipFill>
+        <p:spPr>
+          <a:xfrm>
+            <a:off x="152400" y="1041591"/>
+            <a:ext cx="8839201" cy="77017"/>
+          </a:xfrm>
+          <a:prstGeom prst="rect">
+            <a:avLst/>
+          </a:prstGeom>
+          <a:noFill/>
+          <a:ln>
+            <a:noFill/>
+          </a:ln>
+        </p:spPr>
+      </p:pic>
     </p:spTree>
     <p:extLst>
       <p:ext uri="{BB962C8B-B14F-4D97-AF65-F5344CB8AC3E}">
@@ -9568,13 +9574,13 @@
               <a:buNone/>
             </a:pPr>
             <a:r>
-              <a:rPr lang="ja-JP" altLang="en-US" sz="2250" b="1" dirty="0">
+              <a:rPr lang="ja-JP" altLang="en-US" sz="2500" b="1" dirty="0">
                 <a:latin typeface="Meiryo UI" panose="020B0604030504040204" pitchFamily="50" charset="-128"/>
                 <a:ea typeface="Meiryo UI" panose="020B0604030504040204" pitchFamily="50" charset="-128"/>
               </a:rPr>
               <a:t>目次</a:t>
             </a:r>
-            <a:endParaRPr sz="2250" b="1" dirty="0">
+            <a:endParaRPr sz="2500" b="1" dirty="0">
               <a:latin typeface="Meiryo UI" panose="020B0604030504040204" pitchFamily="50" charset="-128"/>
               <a:ea typeface="Meiryo UI" panose="020B0604030504040204" pitchFamily="50" charset="-128"/>
             </a:endParaRPr>
@@ -9790,7 +9796,7 @@
       </p:sp>
       <p:pic>
         <p:nvPicPr>
-          <p:cNvPr id="84" name="Google Shape;84;p16"/>
+          <p:cNvPr id="85" name="Google Shape;85;p16"/>
           <p:cNvPicPr preferRelativeResize="0"/>
           <p:nvPr/>
         </p:nvPicPr>
@@ -9804,8 +9810,8 @@
         </p:blipFill>
         <p:spPr>
           <a:xfrm>
-            <a:off x="152400" y="1046591"/>
-            <a:ext cx="8839201" cy="77017"/>
+            <a:off x="152400" y="4721275"/>
+            <a:ext cx="8839200" cy="17833"/>
           </a:xfrm>
           <a:prstGeom prst="rect">
             <a:avLst/>
@@ -9818,7 +9824,7 @@
       </p:pic>
       <p:pic>
         <p:nvPicPr>
-          <p:cNvPr id="85" name="Google Shape;85;p16"/>
+          <p:cNvPr id="86" name="Google Shape;86;p16"/>
           <p:cNvPicPr preferRelativeResize="0"/>
           <p:nvPr/>
         </p:nvPicPr>
@@ -9832,34 +9838,6 @@
         </p:blipFill>
         <p:spPr>
           <a:xfrm>
-            <a:off x="152400" y="4721275"/>
-            <a:ext cx="8839200" cy="17833"/>
-          </a:xfrm>
-          <a:prstGeom prst="rect">
-            <a:avLst/>
-          </a:prstGeom>
-          <a:noFill/>
-          <a:ln>
-            <a:noFill/>
-          </a:ln>
-        </p:spPr>
-      </p:pic>
-      <p:pic>
-        <p:nvPicPr>
-          <p:cNvPr id="86" name="Google Shape;86;p16"/>
-          <p:cNvPicPr preferRelativeResize="0"/>
-          <p:nvPr/>
-        </p:nvPicPr>
-        <p:blipFill>
-          <a:blip r:embed="rId5">
-            <a:alphaModFix/>
-          </a:blip>
-          <a:stretch>
-            <a:fillRect/>
-          </a:stretch>
-        </p:blipFill>
-        <p:spPr>
-          <a:xfrm>
             <a:off x="152400" y="1142475"/>
             <a:ext cx="5795281" cy="3416400"/>
           </a:xfrm>
@@ -9879,7 +9857,7 @@
           <p:nvPr/>
         </p:nvPicPr>
         <p:blipFill>
-          <a:blip r:embed="rId6">
+          <a:blip r:embed="rId5">
             <a:alphaModFix/>
           </a:blip>
           <a:stretch>
@@ -9965,7 +9943,7 @@
           <p:nvPr/>
         </p:nvPicPr>
         <p:blipFill>
-          <a:blip r:embed="rId7">
+          <a:blip r:embed="rId6">
             <a:alphaModFix/>
           </a:blip>
           <a:stretch>
@@ -10086,6 +10064,40 @@
           </a:p>
         </p:txBody>
       </p:sp>
+      <p:pic>
+        <p:nvPicPr>
+          <p:cNvPr id="14" name="Google Shape;116;p18">
+            <a:extLst>
+              <a:ext uri="{FF2B5EF4-FFF2-40B4-BE49-F238E27FC236}">
+                <a16:creationId xmlns:a16="http://schemas.microsoft.com/office/drawing/2014/main" id="{8822FFA2-1878-44C1-A959-476CC65BDF85}"/>
+              </a:ext>
+            </a:extLst>
+          </p:cNvPr>
+          <p:cNvPicPr preferRelativeResize="0"/>
+          <p:nvPr/>
+        </p:nvPicPr>
+        <p:blipFill>
+          <a:blip r:embed="rId7">
+            <a:alphaModFix/>
+          </a:blip>
+          <a:stretch>
+            <a:fillRect/>
+          </a:stretch>
+        </p:blipFill>
+        <p:spPr>
+          <a:xfrm>
+            <a:off x="152400" y="1041591"/>
+            <a:ext cx="8839201" cy="77017"/>
+          </a:xfrm>
+          <a:prstGeom prst="rect">
+            <a:avLst/>
+          </a:prstGeom>
+          <a:noFill/>
+          <a:ln>
+            <a:noFill/>
+          </a:ln>
+        </p:spPr>
+      </p:pic>
     </p:spTree>
   </p:cSld>
   <p:clrMapOvr>
@@ -10113,7 +10125,7 @@
       </p:grpSpPr>
       <p:pic>
         <p:nvPicPr>
-          <p:cNvPr id="96" name="Google Shape;96;p17"/>
+          <p:cNvPr id="97" name="Google Shape;97;p17"/>
           <p:cNvPicPr preferRelativeResize="0"/>
           <p:nvPr/>
         </p:nvPicPr>
@@ -10127,34 +10139,6 @@
         </p:blipFill>
         <p:spPr>
           <a:xfrm>
-            <a:off x="152400" y="1041591"/>
-            <a:ext cx="8839201" cy="77017"/>
-          </a:xfrm>
-          <a:prstGeom prst="rect">
-            <a:avLst/>
-          </a:prstGeom>
-          <a:noFill/>
-          <a:ln>
-            <a:noFill/>
-          </a:ln>
-        </p:spPr>
-      </p:pic>
-      <p:pic>
-        <p:nvPicPr>
-          <p:cNvPr id="97" name="Google Shape;97;p17"/>
-          <p:cNvPicPr preferRelativeResize="0"/>
-          <p:nvPr/>
-        </p:nvPicPr>
-        <p:blipFill>
-          <a:blip r:embed="rId4">
-            <a:alphaModFix/>
-          </a:blip>
-          <a:stretch>
-            <a:fillRect/>
-          </a:stretch>
-        </p:blipFill>
-        <p:spPr>
-          <a:xfrm>
             <a:off x="152400" y="4721275"/>
             <a:ext cx="8839200" cy="17833"/>
           </a:xfrm>
@@ -10174,7 +10158,7 @@
           <p:nvPr/>
         </p:nvPicPr>
         <p:blipFill>
-          <a:blip r:embed="rId5">
+          <a:blip r:embed="rId4">
             <a:alphaModFix/>
           </a:blip>
           <a:stretch>
@@ -10262,25 +10246,16 @@
               </a:rPr>
               <a:t>ものが上位にきているのではないか</a:t>
             </a:r>
-            <a:endParaRPr b="1" dirty="0">
-              <a:solidFill>
-                <a:schemeClr val="dk1"/>
-              </a:solidFill>
-              <a:latin typeface="Meiryo UI" panose="020B0604030504040204" pitchFamily="50" charset="-128"/>
-              <a:ea typeface="Meiryo UI" panose="020B0604030504040204" pitchFamily="50" charset="-128"/>
-            </a:endParaRPr>
-          </a:p>
-          <a:p>
-            <a:pPr marL="457200" lvl="0" indent="0" algn="l" rtl="0">
-              <a:spcBef>
-                <a:spcPts val="1200"/>
-              </a:spcBef>
-              <a:spcAft>
-                <a:spcPts val="0"/>
-              </a:spcAft>
-              <a:buNone/>
-            </a:pPr>
-            <a:endParaRPr b="1" dirty="0">
+            <a:br>
+              <a:rPr lang="en-US" altLang="ja" b="1" dirty="0">
+                <a:solidFill>
+                  <a:schemeClr val="dk1"/>
+                </a:solidFill>
+                <a:latin typeface="Meiryo UI" panose="020B0604030504040204" pitchFamily="50" charset="-128"/>
+                <a:ea typeface="Meiryo UI" panose="020B0604030504040204" pitchFamily="50" charset="-128"/>
+              </a:rPr>
+            </a:br>
+            <a:endParaRPr lang="en-US" altLang="ja" b="1" dirty="0">
               <a:solidFill>
                 <a:schemeClr val="dk1"/>
               </a:solidFill>
@@ -10852,7 +10827,7 @@
           <p:nvPr/>
         </p:nvPicPr>
         <p:blipFill>
-          <a:blip r:embed="rId6">
+          <a:blip r:embed="rId5">
             <a:alphaModFix/>
           </a:blip>
           <a:stretch>
@@ -10979,6 +10954,40 @@
           </a:p>
         </p:txBody>
       </p:sp>
+      <p:pic>
+        <p:nvPicPr>
+          <p:cNvPr id="20" name="Google Shape;116;p18">
+            <a:extLst>
+              <a:ext uri="{FF2B5EF4-FFF2-40B4-BE49-F238E27FC236}">
+                <a16:creationId xmlns:a16="http://schemas.microsoft.com/office/drawing/2014/main" id="{0C1D0D03-A196-4199-AC60-5594BD69AA6F}"/>
+              </a:ext>
+            </a:extLst>
+          </p:cNvPr>
+          <p:cNvPicPr preferRelativeResize="0"/>
+          <p:nvPr/>
+        </p:nvPicPr>
+        <p:blipFill>
+          <a:blip r:embed="rId6">
+            <a:alphaModFix/>
+          </a:blip>
+          <a:stretch>
+            <a:fillRect/>
+          </a:stretch>
+        </p:blipFill>
+        <p:spPr>
+          <a:xfrm>
+            <a:off x="152400" y="1041591"/>
+            <a:ext cx="8839201" cy="77017"/>
+          </a:xfrm>
+          <a:prstGeom prst="rect">
+            <a:avLst/>
+          </a:prstGeom>
+          <a:noFill/>
+          <a:ln>
+            <a:noFill/>
+          </a:ln>
+        </p:spPr>
+      </p:pic>
     </p:spTree>
   </p:cSld>
   <p:clrMapOvr>

--- a/8.pptx
+++ b/8.pptx
@@ -17,7 +17,7 @@
     <p:sldId id="261" r:id="rId8"/>
     <p:sldId id="262" r:id="rId9"/>
     <p:sldId id="263" r:id="rId10"/>
-    <p:sldId id="264" r:id="rId11"/>
+    <p:sldId id="267" r:id="rId11"/>
     <p:sldId id="265" r:id="rId12"/>
   </p:sldIdLst>
   <p:sldSz cx="9144000" cy="5143500" type="screen16x9"/>
@@ -1016,7 +1016,11 @@
               </a:spcAft>
               <a:buNone/>
             </a:pPr>
-            <a:endParaRPr/>
+            <a:r>
+              <a:rPr lang="ja-JP" altLang="en-US" dirty="0"/>
+              <a:t>ちあき</a:t>
+            </a:r>
+            <a:endParaRPr dirty="0"/>
           </a:p>
         </p:txBody>
       </p:sp>
@@ -1749,6 +1753,11 @@
         </p:txBody>
       </p:sp>
     </p:spTree>
+    <p:extLst>
+      <p:ext uri="{BB962C8B-B14F-4D97-AF65-F5344CB8AC3E}">
+        <p14:creationId xmlns:p14="http://schemas.microsoft.com/office/powerpoint/2010/main" val="480793372"/>
+      </p:ext>
+    </p:extLst>
   </p:cSld>
   <p:clrMapOvr>
     <a:masterClrMapping/>
@@ -6879,6 +6888,52 @@
           <a:chExt cx="0" cy="0"/>
         </a:xfrm>
       </p:grpSpPr>
+      <p:sp>
+        <p:nvSpPr>
+          <p:cNvPr id="156" name="Google Shape;156;p21"/>
+          <p:cNvSpPr txBox="1">
+            <a:spLocks noGrp="1"/>
+          </p:cNvSpPr>
+          <p:nvPr>
+            <p:ph type="title"/>
+          </p:nvPr>
+        </p:nvSpPr>
+        <p:spPr>
+          <a:xfrm>
+            <a:off x="311700" y="445025"/>
+            <a:ext cx="8520600" cy="572700"/>
+          </a:xfrm>
+          <a:prstGeom prst="rect">
+            <a:avLst/>
+          </a:prstGeom>
+        </p:spPr>
+        <p:txBody>
+          <a:bodyPr spcFirstLastPara="1" wrap="square" lIns="91425" tIns="91425" rIns="91425" bIns="91425" anchor="t" anchorCtr="0">
+            <a:noAutofit/>
+          </a:bodyPr>
+          <a:lstStyle/>
+          <a:p>
+            <a:pPr marL="0" lvl="0" indent="0" algn="l" rtl="0">
+              <a:lnSpc>
+                <a:spcPct val="115000"/>
+              </a:lnSpc>
+              <a:spcBef>
+                <a:spcPts val="1200"/>
+              </a:spcBef>
+              <a:spcAft>
+                <a:spcPts val="1200"/>
+              </a:spcAft>
+              <a:buSzPts val="990"/>
+              <a:buNone/>
+            </a:pPr>
+            <a:r>
+              <a:rPr lang="ja" sz="2500" b="1"/>
+              <a:t>比較の考察</a:t>
+            </a:r>
+            <a:endParaRPr sz="2250" b="1"/>
+          </a:p>
+        </p:txBody>
+      </p:sp>
       <p:pic>
         <p:nvPicPr>
           <p:cNvPr id="157" name="Google Shape;157;p21"/>
@@ -6979,7 +7034,7 @@
         </p:blipFill>
         <p:spPr>
           <a:xfrm>
-            <a:off x="0" y="4703625"/>
+            <a:off x="0" y="4724891"/>
             <a:ext cx="8639999" cy="500800"/>
           </a:xfrm>
           <a:prstGeom prst="rect">
@@ -7026,16 +7081,10 @@
               <a:buNone/>
             </a:pPr>
             <a:fld id="{00000000-1234-1234-1234-123412341234}" type="slidenum">
-              <a:rPr lang="en-US" altLang="ja">
-                <a:latin typeface="Meiryo UI" panose="020B0604030504040204" pitchFamily="50" charset="-128"/>
-                <a:ea typeface="Meiryo UI" panose="020B0604030504040204" pitchFamily="50" charset="-128"/>
-              </a:rPr>
+              <a:rPr lang="en-US" altLang="ja"/>
               <a:t>10</a:t>
             </a:fld>
-            <a:endParaRPr>
-              <a:latin typeface="Meiryo UI" panose="020B0604030504040204" pitchFamily="50" charset="-128"/>
-              <a:ea typeface="Meiryo UI" panose="020B0604030504040204" pitchFamily="50" charset="-128"/>
-            </a:endParaRPr>
+            <a:endParaRPr/>
           </a:p>
         </p:txBody>
       </p:sp>
@@ -7055,8 +7104,8 @@
         </p:blipFill>
         <p:spPr>
           <a:xfrm>
-            <a:off x="152400" y="1271008"/>
-            <a:ext cx="2688976" cy="3251785"/>
+            <a:off x="533400" y="1271008"/>
+            <a:ext cx="8161290" cy="3239809"/>
           </a:xfrm>
           <a:prstGeom prst="rect">
             <a:avLst/>
@@ -7067,304 +7116,12 @@
           </a:ln>
         </p:spPr>
       </p:pic>
-      <p:pic>
-        <p:nvPicPr>
-          <p:cNvPr id="163" name="Google Shape;163;p21"/>
-          <p:cNvPicPr preferRelativeResize="0"/>
-          <p:nvPr/>
-        </p:nvPicPr>
-        <p:blipFill>
-          <a:blip r:embed="rId8">
-            <a:alphaModFix/>
-          </a:blip>
-          <a:stretch>
-            <a:fillRect/>
-          </a:stretch>
-        </p:blipFill>
-        <p:spPr>
-          <a:xfrm>
-            <a:off x="2993776" y="1271008"/>
-            <a:ext cx="2750720" cy="3280217"/>
-          </a:xfrm>
-          <a:prstGeom prst="rect">
-            <a:avLst/>
-          </a:prstGeom>
-          <a:noFill/>
-          <a:ln>
-            <a:noFill/>
-          </a:ln>
-        </p:spPr>
-      </p:pic>
-      <p:sp>
-        <p:nvSpPr>
-          <p:cNvPr id="13" name="Google Shape;169;p22">
-            <a:extLst>
-              <a:ext uri="{FF2B5EF4-FFF2-40B4-BE49-F238E27FC236}">
-                <a16:creationId xmlns:a16="http://schemas.microsoft.com/office/drawing/2014/main" id="{0FE0E23F-2E1D-409E-8B32-FF39048FD276}"/>
-              </a:ext>
-            </a:extLst>
-          </p:cNvPr>
-          <p:cNvSpPr txBox="1">
-            <a:spLocks noGrp="1"/>
-          </p:cNvSpPr>
-          <p:nvPr>
-            <p:ph type="title"/>
-          </p:nvPr>
-        </p:nvSpPr>
-        <p:spPr>
-          <a:xfrm>
-            <a:off x="311700" y="445025"/>
-            <a:ext cx="8520600" cy="572700"/>
-          </a:xfrm>
-          <a:prstGeom prst="rect">
-            <a:avLst/>
-          </a:prstGeom>
-        </p:spPr>
-        <p:txBody>
-          <a:bodyPr spcFirstLastPara="1" wrap="square" lIns="91425" tIns="91425" rIns="91425" bIns="91425" anchor="t" anchorCtr="0">
-            <a:noAutofit/>
-          </a:bodyPr>
-          <a:lstStyle/>
-          <a:p>
-            <a:pPr marL="0" lvl="0" indent="0" algn="l" rtl="0">
-              <a:lnSpc>
-                <a:spcPct val="115000"/>
-              </a:lnSpc>
-              <a:spcBef>
-                <a:spcPts val="1200"/>
-              </a:spcBef>
-              <a:spcAft>
-                <a:spcPts val="1200"/>
-              </a:spcAft>
-              <a:buSzPts val="990"/>
-              <a:buNone/>
-            </a:pPr>
-            <a:r>
-              <a:rPr lang="ja-JP" altLang="en-US" sz="2500" b="1" dirty="0">
-                <a:latin typeface="Meiryo UI" panose="020B0604030504040204" pitchFamily="50" charset="-128"/>
-                <a:ea typeface="Meiryo UI" panose="020B0604030504040204" pitchFamily="50" charset="-128"/>
-              </a:rPr>
-              <a:t>比較の考察</a:t>
-            </a:r>
-            <a:endParaRPr sz="2500" b="1" dirty="0">
-              <a:latin typeface="Meiryo UI" panose="020B0604030504040204" pitchFamily="50" charset="-128"/>
-              <a:ea typeface="Meiryo UI" panose="020B0604030504040204" pitchFamily="50" charset="-128"/>
-            </a:endParaRPr>
-          </a:p>
-        </p:txBody>
-      </p:sp>
-      <p:grpSp>
-        <p:nvGrpSpPr>
-          <p:cNvPr id="5" name="グループ化 4">
-            <a:extLst>
-              <a:ext uri="{FF2B5EF4-FFF2-40B4-BE49-F238E27FC236}">
-                <a16:creationId xmlns:a16="http://schemas.microsoft.com/office/drawing/2014/main" id="{1A4C2003-915B-41AC-A026-C9ADFFC03DAA}"/>
-              </a:ext>
-            </a:extLst>
-          </p:cNvPr>
-          <p:cNvGrpSpPr/>
-          <p:nvPr/>
-        </p:nvGrpSpPr>
-        <p:grpSpPr>
-          <a:xfrm>
-            <a:off x="5896896" y="1271008"/>
-            <a:ext cx="2693257" cy="3239810"/>
-            <a:chOff x="5896896" y="1271008"/>
-            <a:chExt cx="2693257" cy="3239810"/>
-          </a:xfrm>
-        </p:grpSpPr>
-        <p:pic>
-          <p:nvPicPr>
-            <p:cNvPr id="164" name="Google Shape;164;p21"/>
-            <p:cNvPicPr preferRelativeResize="0"/>
-            <p:nvPr/>
-          </p:nvPicPr>
-          <p:blipFill>
-            <a:blip r:embed="rId9">
-              <a:alphaModFix/>
-            </a:blip>
-            <a:stretch>
-              <a:fillRect/>
-            </a:stretch>
-          </p:blipFill>
-          <p:spPr>
-            <a:xfrm>
-              <a:off x="5896896" y="1271008"/>
-              <a:ext cx="2693257" cy="3239810"/>
-            </a:xfrm>
-            <a:prstGeom prst="rect">
-              <a:avLst/>
-            </a:prstGeom>
-            <a:noFill/>
-            <a:ln>
-              <a:noFill/>
-            </a:ln>
-          </p:spPr>
-        </p:pic>
-        <p:sp>
-          <p:nvSpPr>
-            <p:cNvPr id="4" name="正方形/長方形 3">
-              <a:extLst>
-                <a:ext uri="{FF2B5EF4-FFF2-40B4-BE49-F238E27FC236}">
-                  <a16:creationId xmlns:a16="http://schemas.microsoft.com/office/drawing/2014/main" id="{4D3871BC-C87E-45EA-B79F-E95E7C1E840C}"/>
-                </a:ext>
-              </a:extLst>
-            </p:cNvPr>
-            <p:cNvSpPr/>
-            <p:nvPr/>
-          </p:nvSpPr>
-          <p:spPr>
-            <a:xfrm>
-              <a:off x="7838538" y="2571750"/>
-              <a:ext cx="276225" cy="305708"/>
-            </a:xfrm>
-            <a:prstGeom prst="rect">
-              <a:avLst/>
-            </a:prstGeom>
-            <a:solidFill>
-              <a:schemeClr val="bg1"/>
-            </a:solidFill>
-            <a:ln>
-              <a:solidFill>
-                <a:schemeClr val="bg1"/>
-              </a:solidFill>
-            </a:ln>
-          </p:spPr>
-          <p:style>
-            <a:lnRef idx="2">
-              <a:schemeClr val="accent1">
-                <a:shade val="50000"/>
-              </a:schemeClr>
-            </a:lnRef>
-            <a:fillRef idx="1">
-              <a:schemeClr val="accent1"/>
-            </a:fillRef>
-            <a:effectRef idx="0">
-              <a:schemeClr val="accent1"/>
-            </a:effectRef>
-            <a:fontRef idx="minor">
-              <a:schemeClr val="lt1"/>
-            </a:fontRef>
-          </p:style>
-          <p:txBody>
-            <a:bodyPr rtlCol="0" anchor="ctr"/>
-            <a:lstStyle/>
-            <a:p>
-              <a:pPr algn="ctr"/>
-              <a:endParaRPr kumimoji="1" lang="ja-JP" altLang="en-US"/>
-            </a:p>
-          </p:txBody>
-        </p:sp>
-        <p:sp>
-          <p:nvSpPr>
-            <p:cNvPr id="15" name="正方形/長方形 14">
-              <a:extLst>
-                <a:ext uri="{FF2B5EF4-FFF2-40B4-BE49-F238E27FC236}">
-                  <a16:creationId xmlns:a16="http://schemas.microsoft.com/office/drawing/2014/main" id="{52DA7381-5945-45F3-96A4-7AED8196C2BD}"/>
-                </a:ext>
-              </a:extLst>
-            </p:cNvPr>
-            <p:cNvSpPr/>
-            <p:nvPr/>
-          </p:nvSpPr>
-          <p:spPr>
-            <a:xfrm>
-              <a:off x="7700425" y="3029858"/>
-              <a:ext cx="276225" cy="305708"/>
-            </a:xfrm>
-            <a:prstGeom prst="rect">
-              <a:avLst/>
-            </a:prstGeom>
-            <a:solidFill>
-              <a:schemeClr val="bg1"/>
-            </a:solidFill>
-            <a:ln>
-              <a:solidFill>
-                <a:schemeClr val="bg1"/>
-              </a:solidFill>
-            </a:ln>
-          </p:spPr>
-          <p:style>
-            <a:lnRef idx="2">
-              <a:schemeClr val="accent1">
-                <a:shade val="50000"/>
-              </a:schemeClr>
-            </a:lnRef>
-            <a:fillRef idx="1">
-              <a:schemeClr val="accent1"/>
-            </a:fillRef>
-            <a:effectRef idx="0">
-              <a:schemeClr val="accent1"/>
-            </a:effectRef>
-            <a:fontRef idx="minor">
-              <a:schemeClr val="lt1"/>
-            </a:fontRef>
-          </p:style>
-          <p:txBody>
-            <a:bodyPr rtlCol="0" anchor="ctr"/>
-            <a:lstStyle/>
-            <a:p>
-              <a:pPr algn="ctr"/>
-              <a:endParaRPr kumimoji="1" lang="ja-JP" altLang="en-US"/>
-            </a:p>
-          </p:txBody>
-        </p:sp>
-        <p:sp>
-          <p:nvSpPr>
-            <p:cNvPr id="18" name="正方形/長方形 17">
-              <a:extLst>
-                <a:ext uri="{FF2B5EF4-FFF2-40B4-BE49-F238E27FC236}">
-                  <a16:creationId xmlns:a16="http://schemas.microsoft.com/office/drawing/2014/main" id="{D53AC0EA-8456-4E97-AD70-DE4AA3C34B5B}"/>
-                </a:ext>
-              </a:extLst>
-            </p:cNvPr>
-            <p:cNvSpPr/>
-            <p:nvPr/>
-          </p:nvSpPr>
-          <p:spPr>
-            <a:xfrm>
-              <a:off x="7700424" y="3393624"/>
-              <a:ext cx="276225" cy="305708"/>
-            </a:xfrm>
-            <a:prstGeom prst="rect">
-              <a:avLst/>
-            </a:prstGeom>
-            <a:solidFill>
-              <a:schemeClr val="bg1"/>
-            </a:solidFill>
-            <a:ln>
-              <a:solidFill>
-                <a:schemeClr val="bg1"/>
-              </a:solidFill>
-            </a:ln>
-          </p:spPr>
-          <p:style>
-            <a:lnRef idx="2">
-              <a:schemeClr val="accent1">
-                <a:shade val="50000"/>
-              </a:schemeClr>
-            </a:lnRef>
-            <a:fillRef idx="1">
-              <a:schemeClr val="accent1"/>
-            </a:fillRef>
-            <a:effectRef idx="0">
-              <a:schemeClr val="accent1"/>
-            </a:effectRef>
-            <a:fontRef idx="minor">
-              <a:schemeClr val="lt1"/>
-            </a:fontRef>
-          </p:style>
-          <p:txBody>
-            <a:bodyPr rtlCol="0" anchor="ctr"/>
-            <a:lstStyle/>
-            <a:p>
-              <a:pPr algn="ctr"/>
-              <a:endParaRPr kumimoji="1" lang="ja-JP" altLang="en-US"/>
-            </a:p>
-          </p:txBody>
-        </p:sp>
-      </p:grpSp>
     </p:spTree>
+    <p:extLst>
+      <p:ext uri="{BB962C8B-B14F-4D97-AF65-F5344CB8AC3E}">
+        <p14:creationId xmlns:p14="http://schemas.microsoft.com/office/powerpoint/2010/main" val="2346312073"/>
+      </p:ext>
+    </p:extLst>
   </p:cSld>
   <p:clrMapOvr>
     <a:masterClrMapping/>
@@ -7481,7 +7238,7 @@
               <a:buAutoNum type="arabicPeriod"/>
             </a:pPr>
             <a:r>
-              <a:rPr lang="ja" sz="2100" b="1">
+              <a:rPr lang="ja" sz="2100" b="1" dirty="0">
                 <a:solidFill>
                   <a:schemeClr val="dk1"/>
                 </a:solidFill>
@@ -7490,10 +7247,10 @@
                 <a:cs typeface="Arial"/>
                 <a:sym typeface="Arial"/>
               </a:rPr>
-              <a:t>リーダーとしての役割をもつ人だけでなく、全ての人が自分の</a:t>
+              <a:t>リーダーとしての役割をもつ人だけでなく、</a:t>
             </a:r>
             <a:br>
-              <a:rPr lang="ja" sz="2100" b="1">
+              <a:rPr lang="en-US" altLang="ja" sz="2100" b="1" dirty="0">
                 <a:solidFill>
                   <a:schemeClr val="dk1"/>
                 </a:solidFill>
@@ -7504,7 +7261,7 @@
               </a:rPr>
             </a:br>
             <a:r>
-              <a:rPr lang="ja" sz="2100" b="1">
+              <a:rPr lang="ja" sz="2100" b="1" dirty="0">
                 <a:solidFill>
                   <a:schemeClr val="dk1"/>
                 </a:solidFill>
@@ -7513,10 +7270,10 @@
                 <a:cs typeface="Arial"/>
                 <a:sym typeface="Arial"/>
               </a:rPr>
-              <a:t>仕事に対して</a:t>
+              <a:t>全ての人が自分の仕事に対して</a:t>
             </a:r>
             <a:r>
-              <a:rPr lang="ja" sz="2100" b="1">
+              <a:rPr lang="ja" sz="2100" b="1" dirty="0">
                 <a:solidFill>
                   <a:srgbClr val="04AC88"/>
                 </a:solidFill>
@@ -7528,7 +7285,7 @@
               <a:t>主体性</a:t>
             </a:r>
             <a:r>
-              <a:rPr lang="ja" sz="2100" b="1">
+              <a:rPr lang="ja" sz="2100" b="1" dirty="0">
                 <a:solidFill>
                   <a:schemeClr val="dk1"/>
                 </a:solidFill>
@@ -7540,7 +7297,7 @@
               <a:t>を持って行動していく</a:t>
             </a:r>
             <a:br>
-              <a:rPr lang="ja" sz="2100" b="1">
+              <a:rPr lang="ja" sz="2100" b="1" dirty="0">
                 <a:solidFill>
                   <a:schemeClr val="dk1"/>
                 </a:solidFill>
@@ -7550,7 +7307,7 @@
                 <a:sym typeface="Arial"/>
               </a:rPr>
             </a:br>
-            <a:endParaRPr sz="2100" b="1">
+            <a:endParaRPr sz="2100" b="1" dirty="0">
               <a:solidFill>
                 <a:schemeClr val="dk1"/>
               </a:solidFill>
@@ -7576,7 +7333,7 @@
               <a:buAutoNum type="arabicPeriod"/>
             </a:pPr>
             <a:r>
-              <a:rPr lang="ja" sz="2100" b="1">
+              <a:rPr lang="ja" sz="2100" b="1" dirty="0">
                 <a:solidFill>
                   <a:srgbClr val="04AC88"/>
                 </a:solidFill>
@@ -7588,7 +7345,7 @@
               <a:t>明治安田フィロソフィー</a:t>
             </a:r>
             <a:r>
-              <a:rPr lang="ja" sz="2100" b="1">
+              <a:rPr lang="ja" sz="2100" b="1" dirty="0">
                 <a:solidFill>
                   <a:schemeClr val="dk1"/>
                 </a:solidFill>
@@ -7599,7 +7356,98 @@
               </a:rPr>
               <a:t>を常に体現する</a:t>
             </a:r>
-            <a:endParaRPr sz="2100" b="1">
+            <a:br>
+              <a:rPr lang="en-US" altLang="ja" sz="2100" b="1" dirty="0">
+                <a:solidFill>
+                  <a:schemeClr val="dk1"/>
+                </a:solidFill>
+                <a:latin typeface="Meiryo UI" panose="020B0604030504040204" pitchFamily="50" charset="-128"/>
+                <a:ea typeface="Meiryo UI" panose="020B0604030504040204" pitchFamily="50" charset="-128"/>
+                <a:cs typeface="Arial"/>
+                <a:sym typeface="Arial"/>
+              </a:rPr>
+            </a:br>
+            <a:r>
+              <a:rPr lang="en-US" altLang="ja-JP" sz="2100" b="1" dirty="0">
+                <a:solidFill>
+                  <a:schemeClr val="dk1"/>
+                </a:solidFill>
+                <a:latin typeface="Meiryo UI" panose="020B0604030504040204" pitchFamily="50" charset="-128"/>
+                <a:ea typeface="Meiryo UI" panose="020B0604030504040204" pitchFamily="50" charset="-128"/>
+                <a:cs typeface="Arial"/>
+                <a:sym typeface="Arial"/>
+              </a:rPr>
+              <a:t>EX.)</a:t>
+            </a:r>
+            <a:endParaRPr sz="2100" b="1" dirty="0">
+              <a:solidFill>
+                <a:schemeClr val="dk1"/>
+              </a:solidFill>
+              <a:latin typeface="Meiryo UI" panose="020B0604030504040204" pitchFamily="50" charset="-128"/>
+              <a:ea typeface="Meiryo UI" panose="020B0604030504040204" pitchFamily="50" charset="-128"/>
+              <a:cs typeface="Arial"/>
+              <a:sym typeface="Arial"/>
+            </a:endParaRPr>
+          </a:p>
+          <a:p>
+            <a:pPr marL="825500" lvl="1" indent="-342900">
+              <a:spcBef>
+                <a:spcPts val="1200"/>
+              </a:spcBef>
+              <a:buClr>
+                <a:schemeClr val="dk1"/>
+              </a:buClr>
+              <a:buSzPts val="1100"/>
+              <a:buFont typeface="Wingdings" panose="05000000000000000000" pitchFamily="2" charset="2"/>
+              <a:buChar char="l"/>
+            </a:pPr>
+            <a:r>
+              <a:rPr lang="ja" sz="2100" b="1" dirty="0">
+                <a:solidFill>
+                  <a:schemeClr val="dk1"/>
+                </a:solidFill>
+                <a:latin typeface="Meiryo UI" panose="020B0604030504040204" pitchFamily="50" charset="-128"/>
+                <a:ea typeface="Meiryo UI" panose="020B0604030504040204" pitchFamily="50" charset="-128"/>
+                <a:cs typeface="Arial"/>
+                <a:sym typeface="Arial"/>
+              </a:rPr>
+              <a:t>常に相手目線に立った言動・行動の実現</a:t>
+            </a:r>
+            <a:endParaRPr sz="2100" b="1" dirty="0">
+              <a:solidFill>
+                <a:schemeClr val="dk1"/>
+              </a:solidFill>
+              <a:latin typeface="Meiryo UI" panose="020B0604030504040204" pitchFamily="50" charset="-128"/>
+              <a:ea typeface="Meiryo UI" panose="020B0604030504040204" pitchFamily="50" charset="-128"/>
+              <a:cs typeface="Arial"/>
+              <a:sym typeface="Arial"/>
+            </a:endParaRPr>
+          </a:p>
+          <a:p>
+            <a:pPr marL="825500" lvl="1" indent="-342900">
+              <a:spcBef>
+                <a:spcPts val="1200"/>
+              </a:spcBef>
+              <a:buClr>
+                <a:schemeClr val="dk1"/>
+              </a:buClr>
+              <a:buSzPts val="1100"/>
+              <a:buFont typeface="Wingdings" panose="05000000000000000000" pitchFamily="2" charset="2"/>
+              <a:buChar char="l"/>
+            </a:pPr>
+            <a:r>
+              <a:rPr lang="ja" sz="2100" b="1" dirty="0">
+                <a:solidFill>
+                  <a:schemeClr val="dk1"/>
+                </a:solidFill>
+                <a:latin typeface="Meiryo UI" panose="020B0604030504040204" pitchFamily="50" charset="-128"/>
+                <a:ea typeface="Meiryo UI" panose="020B0604030504040204" pitchFamily="50" charset="-128"/>
+                <a:cs typeface="Arial"/>
+                <a:sym typeface="Arial"/>
+              </a:rPr>
+              <a:t>初めて行く配属地域でも積極的に地元の人と関わっていく</a:t>
+            </a:r>
+            <a:endParaRPr sz="2100" b="1" dirty="0">
               <a:solidFill>
                 <a:schemeClr val="dk1"/>
               </a:solidFill>
@@ -7624,19 +7472,7 @@
               <a:buFont typeface="Arial"/>
               <a:buNone/>
             </a:pPr>
-            <a:r>
-              <a:rPr lang="ja" sz="2100" b="1">
-                <a:solidFill>
-                  <a:schemeClr val="dk1"/>
-                </a:solidFill>
-                <a:latin typeface="Meiryo UI" panose="020B0604030504040204" pitchFamily="50" charset="-128"/>
-                <a:ea typeface="Meiryo UI" panose="020B0604030504040204" pitchFamily="50" charset="-128"/>
-                <a:cs typeface="Arial"/>
-                <a:sym typeface="Arial"/>
-              </a:rPr>
-              <a:t>→常に相手目線に立った言動・行動の実現</a:t>
-            </a:r>
-            <a:endParaRPr sz="2100" b="1">
+            <a:endParaRPr sz="2100" b="1" dirty="0">
               <a:solidFill>
                 <a:schemeClr val="dk1"/>
               </a:solidFill>
@@ -7661,19 +7497,7 @@
               <a:buFont typeface="Arial"/>
               <a:buNone/>
             </a:pPr>
-            <a:r>
-              <a:rPr lang="ja" sz="2100" b="1">
-                <a:solidFill>
-                  <a:schemeClr val="dk1"/>
-                </a:solidFill>
-                <a:latin typeface="Meiryo UI" panose="020B0604030504040204" pitchFamily="50" charset="-128"/>
-                <a:ea typeface="Meiryo UI" panose="020B0604030504040204" pitchFamily="50" charset="-128"/>
-                <a:cs typeface="Arial"/>
-                <a:sym typeface="Arial"/>
-              </a:rPr>
-              <a:t>→初めて行く配属地域でも積極的に地元の人と関わっていく</a:t>
-            </a:r>
-            <a:endParaRPr sz="2100" b="1">
+            <a:endParaRPr sz="2100" b="1" dirty="0">
               <a:solidFill>
                 <a:schemeClr val="dk1"/>
               </a:solidFill>
@@ -7689,61 +7513,11 @@
                 <a:spcPts val="1200"/>
               </a:spcBef>
               <a:spcAft>
-                <a:spcPts val="0"/>
-              </a:spcAft>
-              <a:buClr>
-                <a:schemeClr val="dk1"/>
-              </a:buClr>
-              <a:buSzPts val="1100"/>
-              <a:buFont typeface="Arial"/>
+                <a:spcPts val="1200"/>
+              </a:spcAft>
               <a:buNone/>
             </a:pPr>
-            <a:endParaRPr sz="2100" b="1">
-              <a:solidFill>
-                <a:schemeClr val="dk1"/>
-              </a:solidFill>
-              <a:latin typeface="Meiryo UI" panose="020B0604030504040204" pitchFamily="50" charset="-128"/>
-              <a:ea typeface="Meiryo UI" panose="020B0604030504040204" pitchFamily="50" charset="-128"/>
-              <a:cs typeface="Arial"/>
-              <a:sym typeface="Arial"/>
-            </a:endParaRPr>
-          </a:p>
-          <a:p>
-            <a:pPr marL="0" lvl="0" indent="0" algn="l" rtl="0">
-              <a:spcBef>
-                <a:spcPts val="1200"/>
-              </a:spcBef>
-              <a:spcAft>
-                <a:spcPts val="0"/>
-              </a:spcAft>
-              <a:buClr>
-                <a:schemeClr val="dk1"/>
-              </a:buClr>
-              <a:buSzPts val="1100"/>
-              <a:buFont typeface="Arial"/>
-              <a:buNone/>
-            </a:pPr>
-            <a:endParaRPr sz="2100" b="1">
-              <a:solidFill>
-                <a:schemeClr val="dk1"/>
-              </a:solidFill>
-              <a:latin typeface="Meiryo UI" panose="020B0604030504040204" pitchFamily="50" charset="-128"/>
-              <a:ea typeface="Meiryo UI" panose="020B0604030504040204" pitchFamily="50" charset="-128"/>
-              <a:cs typeface="Arial"/>
-              <a:sym typeface="Arial"/>
-            </a:endParaRPr>
-          </a:p>
-          <a:p>
-            <a:pPr marL="0" lvl="0" indent="0" algn="l" rtl="0">
-              <a:spcBef>
-                <a:spcPts val="1200"/>
-              </a:spcBef>
-              <a:spcAft>
-                <a:spcPts val="1200"/>
-              </a:spcAft>
-              <a:buNone/>
-            </a:pPr>
-            <a:endParaRPr b="1">
+            <a:endParaRPr b="1" dirty="0">
               <a:latin typeface="Meiryo UI" panose="020B0604030504040204" pitchFamily="50" charset="-128"/>
               <a:ea typeface="Meiryo UI" panose="020B0604030504040204" pitchFamily="50" charset="-128"/>
             </a:endParaRPr>
@@ -7850,7 +7624,7 @@
         </p:blipFill>
         <p:spPr>
           <a:xfrm>
-            <a:off x="0" y="4703625"/>
+            <a:off x="0" y="4724891"/>
             <a:ext cx="8639999" cy="500800"/>
           </a:xfrm>
           <a:prstGeom prst="rect">
@@ -10836,7 +10610,7 @@
         </p:blipFill>
         <p:spPr>
           <a:xfrm>
-            <a:off x="0" y="4708881"/>
+            <a:off x="0" y="4719514"/>
             <a:ext cx="8639999" cy="500800"/>
           </a:xfrm>
           <a:prstGeom prst="rect">
@@ -12652,7 +12426,7 @@
         </p:blipFill>
         <p:spPr>
           <a:xfrm>
-            <a:off x="-16425" y="4721275"/>
+            <a:off x="4841" y="4721275"/>
             <a:ext cx="8639999" cy="500800"/>
           </a:xfrm>
           <a:prstGeom prst="rect">
